--- a/35_Klase/JS Klase.pptx
+++ b/35_Klase/JS Klase.pptx
@@ -19568,10 +19568,34 @@
               <a:buNone/>
             </a:pPr>
             <a:r>
-              <a:rPr lang="en-US"/>
-              <a:t>Klasa Auto – geteri i seteri</a:t>
-            </a:r>
-            <a:endParaRPr/>
+              <a:rPr lang="en-US" dirty="0" err="1"/>
+              <a:t>Klasa</a:t>
+            </a:r>
+            <a:r>
+              <a:rPr lang="en-US" dirty="0"/>
+              <a:t> Auto – </a:t>
+            </a:r>
+            <a:r>
+              <a:rPr lang="en-US" dirty="0" err="1"/>
+              <a:t>geteri</a:t>
+            </a:r>
+            <a:r>
+              <a:rPr lang="en-US" dirty="0"/>
+              <a:t> </a:t>
+            </a:r>
+            <a:r>
+              <a:rPr lang="en-US" dirty="0" err="1"/>
+              <a:t>i</a:t>
+            </a:r>
+            <a:r>
+              <a:rPr lang="en-US" dirty="0"/>
+              <a:t> </a:t>
+            </a:r>
+            <a:r>
+              <a:rPr lang="en-US" dirty="0" err="1"/>
+              <a:t>seteri</a:t>
+            </a:r>
+            <a:endParaRPr dirty="0"/>
           </a:p>
         </p:txBody>
       </p:sp>
@@ -20553,50 +20577,154 @@
               <a:buChar char="▪"/>
             </a:pPr>
             <a:r>
-              <a:rPr lang="en-US" sz="2800"/>
-              <a:t>Kreirati klasu </a:t>
-            </a:r>
-            <a:r>
-              <a:rPr lang="en-US" sz="2800" b="1" i="1"/>
+              <a:rPr lang="en-US" sz="2800" dirty="0" err="1"/>
+              <a:t>Kreirati</a:t>
+            </a:r>
+            <a:r>
+              <a:rPr lang="en-US" sz="2800" dirty="0"/>
+              <a:t> </a:t>
+            </a:r>
+            <a:r>
+              <a:rPr lang="en-US" sz="2800" dirty="0" err="1"/>
+              <a:t>klasu</a:t>
+            </a:r>
+            <a:r>
+              <a:rPr lang="en-US" sz="2800" dirty="0"/>
+              <a:t> </a:t>
+            </a:r>
+            <a:r>
+              <a:rPr lang="en-US" sz="2800" b="1" i="1" dirty="0"/>
               <a:t>Film</a:t>
             </a:r>
             <a:r>
-              <a:rPr lang="en-US" sz="2800"/>
-              <a:t> koja od polja sadrži </a:t>
-            </a:r>
-            <a:r>
-              <a:rPr lang="en-US" sz="2800" i="1"/>
+              <a:rPr lang="en-US" sz="2800" dirty="0"/>
+              <a:t> </a:t>
+            </a:r>
+            <a:r>
+              <a:rPr lang="en-US" sz="2800" dirty="0" err="1"/>
+              <a:t>koja</a:t>
+            </a:r>
+            <a:r>
+              <a:rPr lang="en-US" sz="2800" dirty="0"/>
+              <a:t> od </a:t>
+            </a:r>
+            <a:r>
+              <a:rPr lang="en-US" sz="2800" dirty="0" err="1"/>
+              <a:t>polja</a:t>
+            </a:r>
+            <a:r>
+              <a:rPr lang="en-US" sz="2800" dirty="0"/>
+              <a:t> </a:t>
+            </a:r>
+            <a:r>
+              <a:rPr lang="en-US" sz="2800" dirty="0" err="1"/>
+              <a:t>sadrži</a:t>
+            </a:r>
+            <a:r>
+              <a:rPr lang="en-US" sz="2800" dirty="0"/>
+              <a:t> </a:t>
+            </a:r>
+            <a:r>
+              <a:rPr lang="en-US" sz="2800" i="1" dirty="0" err="1"/>
               <a:t>naslov</a:t>
             </a:r>
             <a:r>
-              <a:rPr lang="en-US" sz="2800"/>
+              <a:rPr lang="en-US" sz="2800" dirty="0"/>
               <a:t>,</a:t>
             </a:r>
             <a:r>
-              <a:rPr lang="en-US" sz="2800" i="1"/>
-              <a:t> reziser</a:t>
-            </a:r>
-            <a:r>
-              <a:rPr lang="en-US" sz="2800"/>
-              <a:t> i </a:t>
-            </a:r>
-            <a:r>
-              <a:rPr lang="en-US" sz="2800" i="1"/>
-              <a:t>godinaIzdanja,</a:t>
-            </a:r>
-            <a:r>
-              <a:rPr lang="en-US" sz="2800"/>
-              <a:t> kao i metodu </a:t>
-            </a:r>
-            <a:r>
-              <a:rPr lang="en-US" sz="2800" i="1"/>
-              <a:t>stampaj()</a:t>
-            </a:r>
-            <a:r>
-              <a:rPr lang="en-US" sz="2800"/>
-              <a:t> za prikaz naslova filma.</a:t>
-            </a:r>
-            <a:endParaRPr/>
+              <a:rPr lang="en-US" sz="2800" i="1" dirty="0"/>
+              <a:t> </a:t>
+            </a:r>
+            <a:r>
+              <a:rPr lang="en-US" sz="2800" i="1" dirty="0" err="1"/>
+              <a:t>reziser</a:t>
+            </a:r>
+            <a:r>
+              <a:rPr lang="en-US" sz="2800" dirty="0"/>
+              <a:t> </a:t>
+            </a:r>
+            <a:r>
+              <a:rPr lang="en-US" sz="2800" dirty="0" err="1"/>
+              <a:t>i</a:t>
+            </a:r>
+            <a:r>
+              <a:rPr lang="en-US" sz="2800" dirty="0"/>
+              <a:t> </a:t>
+            </a:r>
+            <a:r>
+              <a:rPr lang="en-US" sz="2800" i="1" dirty="0" err="1"/>
+              <a:t>godinaIzdanja</a:t>
+            </a:r>
+            <a:r>
+              <a:rPr lang="en-US" sz="2800" i="1" dirty="0"/>
+              <a:t>,</a:t>
+            </a:r>
+            <a:r>
+              <a:rPr lang="en-US" sz="2800" dirty="0"/>
+              <a:t> </a:t>
+            </a:r>
+            <a:r>
+              <a:rPr lang="en-US" sz="2800" dirty="0" err="1"/>
+              <a:t>kao</a:t>
+            </a:r>
+            <a:r>
+              <a:rPr lang="en-US" sz="2800" dirty="0"/>
+              <a:t> </a:t>
+            </a:r>
+            <a:r>
+              <a:rPr lang="en-US" sz="2800" dirty="0" err="1"/>
+              <a:t>i</a:t>
+            </a:r>
+            <a:r>
+              <a:rPr lang="en-US" sz="2800" dirty="0"/>
+              <a:t> </a:t>
+            </a:r>
+            <a:r>
+              <a:rPr lang="en-US" sz="2800" dirty="0" err="1"/>
+              <a:t>metodu</a:t>
+            </a:r>
+            <a:r>
+              <a:rPr lang="en-US" sz="2800" dirty="0"/>
+              <a:t> </a:t>
+            </a:r>
+            <a:r>
+              <a:rPr lang="en-US" sz="2800" i="1" dirty="0" err="1"/>
+              <a:t>stampaj</a:t>
+            </a:r>
+            <a:r>
+              <a:rPr lang="en-US" sz="2800" i="1" dirty="0"/>
+              <a:t>()</a:t>
+            </a:r>
+            <a:r>
+              <a:rPr lang="en-US" sz="2800" dirty="0"/>
+              <a:t> za </a:t>
+            </a:r>
+            <a:r>
+              <a:rPr lang="en-US" sz="2800" dirty="0" err="1"/>
+              <a:t>prikaz</a:t>
+            </a:r>
+            <a:r>
+              <a:rPr lang="en-US" sz="2800" dirty="0"/>
+              <a:t> </a:t>
+            </a:r>
+            <a:r>
+              <a:rPr lang="en-US" sz="2800" dirty="0" err="1"/>
+              <a:t>naslova</a:t>
+            </a:r>
+            <a:r>
+              <a:rPr lang="en-US" sz="2800" dirty="0"/>
+              <a:t> </a:t>
+            </a:r>
+            <a:r>
+              <a:rPr lang="en-US" sz="2800" dirty="0" err="1"/>
+              <a:t>filma</a:t>
+            </a:r>
+            <a:r>
+              <a:rPr lang="en-US" sz="2800" dirty="0"/>
+              <a:t>.</a:t>
+            </a:r>
+            <a:endParaRPr dirty="0"/>
           </a:p>
           <a:p>
             <a:pPr marL="342900" lvl="0" indent="-342900" algn="l" rtl="0">
@@ -20611,10 +20739,30 @@
               <a:buChar char="▪"/>
             </a:pPr>
             <a:r>
-              <a:rPr lang="en-US" sz="2800"/>
-              <a:t>Kreirati tri objekta klase Film. </a:t>
-            </a:r>
-            <a:endParaRPr/>
+              <a:rPr lang="en-US" sz="2800" dirty="0" err="1"/>
+              <a:t>Kreirati</a:t>
+            </a:r>
+            <a:r>
+              <a:rPr lang="en-US" sz="2800" dirty="0"/>
+              <a:t> tri </a:t>
+            </a:r>
+            <a:r>
+              <a:rPr lang="en-US" sz="2800" dirty="0" err="1"/>
+              <a:t>objekta</a:t>
+            </a:r>
+            <a:r>
+              <a:rPr lang="en-US" sz="2800" dirty="0"/>
+              <a:t> </a:t>
+            </a:r>
+            <a:r>
+              <a:rPr lang="en-US" sz="2800" dirty="0" err="1"/>
+              <a:t>klase</a:t>
+            </a:r>
+            <a:r>
+              <a:rPr lang="en-US" sz="2800" dirty="0"/>
+              <a:t> Film. </a:t>
+            </a:r>
+            <a:endParaRPr dirty="0"/>
           </a:p>
           <a:p>
             <a:pPr marL="342900" lvl="0" indent="-342900" algn="l" rtl="0">
@@ -20629,10 +20777,30 @@
               <a:buChar char="▪"/>
             </a:pPr>
             <a:r>
-              <a:rPr lang="en-US" sz="2800"/>
-              <a:t>Testirati metode klase.</a:t>
-            </a:r>
-            <a:endParaRPr/>
+              <a:rPr lang="en-US" sz="2800" dirty="0" err="1"/>
+              <a:t>Testirati</a:t>
+            </a:r>
+            <a:r>
+              <a:rPr lang="en-US" sz="2800" dirty="0"/>
+              <a:t> </a:t>
+            </a:r>
+            <a:r>
+              <a:rPr lang="en-US" sz="2800" dirty="0" err="1"/>
+              <a:t>metode</a:t>
+            </a:r>
+            <a:r>
+              <a:rPr lang="en-US" sz="2800" dirty="0"/>
+              <a:t> </a:t>
+            </a:r>
+            <a:r>
+              <a:rPr lang="en-US" sz="2800" dirty="0" err="1"/>
+              <a:t>klase</a:t>
+            </a:r>
+            <a:r>
+              <a:rPr lang="en-US" sz="2800" dirty="0"/>
+              <a:t>.</a:t>
+            </a:r>
+            <a:endParaRPr dirty="0"/>
           </a:p>
           <a:p>
             <a:pPr marL="0" lvl="0" indent="0" algn="l" rtl="0">
@@ -20645,7 +20813,7 @@
               <a:buSzPts val="1800"/>
               <a:buNone/>
             </a:pPr>
-            <a:endParaRPr/>
+            <a:endParaRPr dirty="0"/>
           </a:p>
         </p:txBody>
       </p:sp>
@@ -21514,62 +21682,138 @@
               <a:buChar char="⮚"/>
             </a:pPr>
             <a:r>
-              <a:rPr lang="en-US" sz="2400"/>
-              <a:t>Napraviti klasu </a:t>
-            </a:r>
-            <a:r>
-              <a:rPr lang="en-US" sz="2400" b="1" i="1" u="sng"/>
+              <a:rPr lang="en-US" sz="2400" dirty="0" err="1"/>
+              <a:t>Napraviti</a:t>
+            </a:r>
+            <a:r>
+              <a:rPr lang="en-US" sz="2400" dirty="0"/>
+              <a:t> </a:t>
+            </a:r>
+            <a:r>
+              <a:rPr lang="en-US" sz="2400" dirty="0" err="1"/>
+              <a:t>klasu</a:t>
+            </a:r>
+            <a:r>
+              <a:rPr lang="en-US" sz="2400" dirty="0"/>
+              <a:t> </a:t>
+            </a:r>
+            <a:r>
+              <a:rPr lang="en-US" sz="2400" b="1" i="1" u="sng" dirty="0" err="1"/>
               <a:t>Knjiga</a:t>
             </a:r>
             <a:r>
-              <a:rPr lang="en-US" sz="2400"/>
-              <a:t> koja od privatnih polja sadrži </a:t>
-            </a:r>
-            <a:r>
-              <a:rPr lang="en-US" sz="2400" b="1" i="1"/>
+              <a:rPr lang="en-US" sz="2400" dirty="0"/>
+              <a:t> </a:t>
+            </a:r>
+            <a:r>
+              <a:rPr lang="en-US" sz="2400" dirty="0" err="1"/>
+              <a:t>koja</a:t>
+            </a:r>
+            <a:r>
+              <a:rPr lang="en-US" sz="2400" dirty="0"/>
+              <a:t> od </a:t>
+            </a:r>
+            <a:r>
+              <a:rPr lang="en-US" sz="2400" dirty="0" err="1"/>
+              <a:t>privatnih</a:t>
+            </a:r>
+            <a:r>
+              <a:rPr lang="en-US" sz="2400" dirty="0"/>
+              <a:t> </a:t>
+            </a:r>
+            <a:r>
+              <a:rPr lang="en-US" sz="2400" dirty="0" err="1"/>
+              <a:t>polja</a:t>
+            </a:r>
+            <a:r>
+              <a:rPr lang="en-US" sz="2400" dirty="0"/>
+              <a:t> </a:t>
+            </a:r>
+            <a:r>
+              <a:rPr lang="en-US" sz="2400" dirty="0" err="1"/>
+              <a:t>sadrži</a:t>
+            </a:r>
+            <a:r>
+              <a:rPr lang="en-US" sz="2400" dirty="0"/>
+              <a:t> </a:t>
+            </a:r>
+            <a:r>
+              <a:rPr lang="en-US" sz="2400" b="1" i="1" dirty="0" err="1"/>
               <a:t>naslov</a:t>
             </a:r>
             <a:r>
-              <a:rPr lang="en-US" sz="2400" i="1"/>
+              <a:rPr lang="en-US" sz="2400" i="1" dirty="0"/>
               <a:t>, </a:t>
             </a:r>
             <a:r>
-              <a:rPr lang="en-US" sz="2400" b="1" i="1"/>
+              <a:rPr lang="en-US" sz="2400" b="1" i="1" dirty="0" err="1"/>
               <a:t>autor</a:t>
             </a:r>
             <a:r>
-              <a:rPr lang="en-US" sz="2400" i="1"/>
+              <a:rPr lang="en-US" sz="2400" i="1" dirty="0"/>
               <a:t>, </a:t>
             </a:r>
             <a:r>
-              <a:rPr lang="en-US" sz="2400" b="1" i="1"/>
+              <a:rPr lang="en-US" sz="2400" b="1" i="1" dirty="0" err="1"/>
               <a:t>godIzdanja</a:t>
             </a:r>
             <a:r>
-              <a:rPr lang="en-US" sz="2400" i="1"/>
+              <a:rPr lang="en-US" sz="2400" i="1" dirty="0"/>
               <a:t>, </a:t>
             </a:r>
             <a:r>
-              <a:rPr lang="en-US" sz="2400" b="1" i="1"/>
+              <a:rPr lang="en-US" sz="2400" b="1" i="1" dirty="0" err="1"/>
               <a:t>brojStrana</a:t>
             </a:r>
             <a:r>
-              <a:rPr lang="en-US" sz="2400" i="1"/>
-              <a:t> i </a:t>
-            </a:r>
-            <a:r>
-              <a:rPr lang="en-US" sz="2400" b="1" i="1"/>
+              <a:rPr lang="en-US" sz="2400" i="1" dirty="0"/>
+              <a:t> </a:t>
+            </a:r>
+            <a:r>
+              <a:rPr lang="en-US" sz="2400" i="1" dirty="0" err="1"/>
+              <a:t>i</a:t>
+            </a:r>
+            <a:r>
+              <a:rPr lang="en-US" sz="2400" i="1" dirty="0"/>
+              <a:t> </a:t>
+            </a:r>
+            <a:r>
+              <a:rPr lang="en-US" sz="2400" b="1" i="1" dirty="0" err="1"/>
               <a:t>cena</a:t>
             </a:r>
             <a:r>
-              <a:rPr lang="en-US" sz="2400" i="1"/>
+              <a:rPr lang="en-US" sz="2400" i="1" dirty="0"/>
               <a:t>.</a:t>
             </a:r>
             <a:r>
-              <a:rPr lang="en-US" sz="2400"/>
-              <a:t> Od javnih metoda sadrži:</a:t>
-            </a:r>
-            <a:endParaRPr/>
+              <a:rPr lang="en-US" sz="2400" dirty="0"/>
+              <a:t> Od </a:t>
+            </a:r>
+            <a:r>
+              <a:rPr lang="en-US" sz="2400" dirty="0" err="1"/>
+              <a:t>javnih</a:t>
+            </a:r>
+            <a:r>
+              <a:rPr lang="en-US" sz="2400" dirty="0"/>
+              <a:t> </a:t>
+            </a:r>
+            <a:r>
+              <a:rPr lang="en-US" sz="2400" dirty="0" err="1"/>
+              <a:t>metoda</a:t>
+            </a:r>
+            <a:r>
+              <a:rPr lang="en-US" sz="2400" dirty="0"/>
+              <a:t> </a:t>
+            </a:r>
+            <a:r>
+              <a:rPr lang="en-US" sz="2400" dirty="0" err="1"/>
+              <a:t>sadrži</a:t>
+            </a:r>
+            <a:r>
+              <a:rPr lang="en-US" sz="2400" dirty="0"/>
+              <a:t>:</a:t>
+            </a:r>
+            <a:endParaRPr dirty="0"/>
           </a:p>
           <a:p>
             <a:pPr marL="525780" lvl="1" indent="-342900" algn="l" rtl="0">
@@ -21584,10 +21828,38 @@
               <a:buChar char="▪"/>
             </a:pPr>
             <a:r>
-              <a:rPr lang="en-US" sz="2400"/>
-              <a:t>Konstruktor koji postavlja sva polja,</a:t>
-            </a:r>
-            <a:endParaRPr/>
+              <a:rPr lang="en-US" sz="2400" dirty="0" err="1"/>
+              <a:t>Konstruktor</a:t>
+            </a:r>
+            <a:r>
+              <a:rPr lang="en-US" sz="2400" dirty="0"/>
+              <a:t> koji </a:t>
+            </a:r>
+            <a:r>
+              <a:rPr lang="en-US" sz="2400" dirty="0" err="1"/>
+              <a:t>postavlja</a:t>
+            </a:r>
+            <a:r>
+              <a:rPr lang="en-US" sz="2400" dirty="0"/>
+              <a:t> </a:t>
+            </a:r>
+            <a:r>
+              <a:rPr lang="en-US" sz="2400" dirty="0" err="1"/>
+              <a:t>sva</a:t>
+            </a:r>
+            <a:r>
+              <a:rPr lang="en-US" sz="2400" dirty="0"/>
+              <a:t> </a:t>
+            </a:r>
+            <a:r>
+              <a:rPr lang="en-US" sz="2400" dirty="0" err="1"/>
+              <a:t>polja</a:t>
+            </a:r>
+            <a:r>
+              <a:rPr lang="en-US" sz="2400" dirty="0"/>
+              <a:t>,</a:t>
+            </a:r>
+            <a:endParaRPr dirty="0"/>
           </a:p>
           <a:p>
             <a:pPr marL="525780" lvl="1" indent="-342900" algn="l" rtl="0">
@@ -21602,10 +21874,54 @@
               <a:buChar char="▪"/>
             </a:pPr>
             <a:r>
-              <a:rPr lang="en-US" sz="2400"/>
-              <a:t>Metodu koja štampa sve podatke o knjizi,</a:t>
-            </a:r>
-            <a:endParaRPr/>
+              <a:rPr lang="en-US" sz="2400" dirty="0" err="1"/>
+              <a:t>Metodu</a:t>
+            </a:r>
+            <a:r>
+              <a:rPr lang="en-US" sz="2400" dirty="0"/>
+              <a:t> </a:t>
+            </a:r>
+            <a:r>
+              <a:rPr lang="en-US" sz="2400" dirty="0" err="1"/>
+              <a:t>koja</a:t>
+            </a:r>
+            <a:r>
+              <a:rPr lang="en-US" sz="2400" dirty="0"/>
+              <a:t> </a:t>
+            </a:r>
+            <a:r>
+              <a:rPr lang="en-US" sz="2400" dirty="0" err="1"/>
+              <a:t>štampa</a:t>
+            </a:r>
+            <a:r>
+              <a:rPr lang="en-US" sz="2400" dirty="0"/>
+              <a:t> </a:t>
+            </a:r>
+            <a:r>
+              <a:rPr lang="en-US" sz="2400" dirty="0" err="1"/>
+              <a:t>sve</a:t>
+            </a:r>
+            <a:r>
+              <a:rPr lang="en-US" sz="2400" dirty="0"/>
+              <a:t> </a:t>
+            </a:r>
+            <a:r>
+              <a:rPr lang="en-US" sz="2400" dirty="0" err="1"/>
+              <a:t>podatke</a:t>
+            </a:r>
+            <a:r>
+              <a:rPr lang="en-US" sz="2400" dirty="0"/>
+              <a:t> o </a:t>
+            </a:r>
+            <a:r>
+              <a:rPr lang="en-US" sz="2400" dirty="0" err="1"/>
+              <a:t>knjizi</a:t>
+            </a:r>
+            <a:r>
+              <a:rPr lang="en-US" sz="2400" dirty="0"/>
+              <a:t>,</a:t>
+            </a:r>
+            <a:endParaRPr dirty="0"/>
           </a:p>
           <a:p>
             <a:pPr marL="525780" lvl="1" indent="-342900" algn="l" rtl="0">
@@ -21620,18 +21936,102 @@
               <a:buChar char="▪"/>
             </a:pPr>
             <a:r>
-              <a:rPr lang="en-US" sz="2400"/>
-              <a:t>Metodu </a:t>
-            </a:r>
-            <a:r>
-              <a:rPr lang="en-US" sz="2400" b="1" i="1" u="sng"/>
+              <a:rPr lang="en-US" sz="2400" dirty="0" err="1"/>
+              <a:t>Metodu</a:t>
+            </a:r>
+            <a:r>
+              <a:rPr lang="en-US" sz="2400" dirty="0"/>
+              <a:t> </a:t>
+            </a:r>
+            <a:r>
+              <a:rPr lang="en-US" sz="2400" b="1" i="1" u="sng" dirty="0" err="1"/>
               <a:t>obimna</a:t>
             </a:r>
             <a:r>
-              <a:rPr lang="en-US" sz="2400"/>
-              <a:t> koja vraća true ukoliko je knjiga obimna (broj strana veći od 600), u suprotnom vraća false.</a:t>
-            </a:r>
-            <a:endParaRPr sz="2400"/>
+              <a:rPr lang="en-US" sz="2400" dirty="0"/>
+              <a:t> </a:t>
+            </a:r>
+            <a:r>
+              <a:rPr lang="en-US" sz="2400" dirty="0" err="1"/>
+              <a:t>koja</a:t>
+            </a:r>
+            <a:r>
+              <a:rPr lang="en-US" sz="2400" dirty="0"/>
+              <a:t> </a:t>
+            </a:r>
+            <a:r>
+              <a:rPr lang="en-US" sz="2400" dirty="0" err="1"/>
+              <a:t>vraća</a:t>
+            </a:r>
+            <a:r>
+              <a:rPr lang="en-US" sz="2400" dirty="0"/>
+              <a:t> true </a:t>
+            </a:r>
+            <a:r>
+              <a:rPr lang="en-US" sz="2400" dirty="0" err="1"/>
+              <a:t>ukoliko</a:t>
+            </a:r>
+            <a:r>
+              <a:rPr lang="en-US" sz="2400" dirty="0"/>
+              <a:t> je </a:t>
+            </a:r>
+            <a:r>
+              <a:rPr lang="en-US" sz="2400" dirty="0" err="1"/>
+              <a:t>knjiga</a:t>
+            </a:r>
+            <a:r>
+              <a:rPr lang="en-US" sz="2400" dirty="0"/>
+              <a:t> </a:t>
+            </a:r>
+            <a:r>
+              <a:rPr lang="en-US" sz="2400" dirty="0" err="1"/>
+              <a:t>obimna</a:t>
+            </a:r>
+            <a:r>
+              <a:rPr lang="en-US" sz="2400" dirty="0"/>
+              <a:t> (</a:t>
+            </a:r>
+            <a:r>
+              <a:rPr lang="en-US" sz="2400" dirty="0" err="1"/>
+              <a:t>broj</a:t>
+            </a:r>
+            <a:r>
+              <a:rPr lang="en-US" sz="2400" dirty="0"/>
+              <a:t> </a:t>
+            </a:r>
+            <a:r>
+              <a:rPr lang="en-US" sz="2400" dirty="0" err="1"/>
+              <a:t>strana</a:t>
+            </a:r>
+            <a:r>
+              <a:rPr lang="en-US" sz="2400" dirty="0"/>
+              <a:t> </a:t>
+            </a:r>
+            <a:r>
+              <a:rPr lang="en-US" sz="2400" dirty="0" err="1"/>
+              <a:t>veći</a:t>
+            </a:r>
+            <a:r>
+              <a:rPr lang="en-US" sz="2400" dirty="0"/>
+              <a:t> od 600), u </a:t>
+            </a:r>
+            <a:r>
+              <a:rPr lang="en-US" sz="2400" dirty="0" err="1"/>
+              <a:t>suprotnom</a:t>
+            </a:r>
+            <a:r>
+              <a:rPr lang="en-US" sz="2400" dirty="0"/>
+              <a:t> </a:t>
+            </a:r>
+            <a:r>
+              <a:rPr lang="en-US" sz="2400" dirty="0" err="1"/>
+              <a:t>vraća</a:t>
+            </a:r>
+            <a:r>
+              <a:rPr lang="en-US" sz="2400" dirty="0"/>
+              <a:t> false.</a:t>
+            </a:r>
+            <a:endParaRPr sz="2400" dirty="0"/>
           </a:p>
           <a:p>
             <a:pPr marL="525780" lvl="1" indent="-342900" algn="l" rtl="0">
@@ -21646,18 +22046,126 @@
               <a:buChar char="▪"/>
             </a:pPr>
             <a:r>
-              <a:rPr lang="en-US" sz="2400"/>
-              <a:t>Metodu </a:t>
-            </a:r>
-            <a:r>
-              <a:rPr lang="en-US" sz="2400" b="1" i="1" u="sng"/>
+              <a:rPr lang="en-US" sz="2400" dirty="0" err="1"/>
+              <a:t>Metodu</a:t>
+            </a:r>
+            <a:r>
+              <a:rPr lang="en-US" sz="2400" dirty="0"/>
+              <a:t> </a:t>
+            </a:r>
+            <a:r>
+              <a:rPr lang="en-US" sz="2400" b="1" i="1" u="sng" dirty="0" err="1"/>
               <a:t>skupa</a:t>
             </a:r>
             <a:r>
-              <a:rPr lang="en-US" sz="2400"/>
-              <a:t> koja vraća true ukoliko je knjiga skupa (knjiga je skupa, ukoliko je njena cena veća od 8000),  u suprotnom vraća false.</a:t>
-            </a:r>
-            <a:endParaRPr sz="2400"/>
+              <a:rPr lang="en-US" sz="2400" dirty="0"/>
+              <a:t> </a:t>
+            </a:r>
+            <a:r>
+              <a:rPr lang="en-US" sz="2400" dirty="0" err="1"/>
+              <a:t>koja</a:t>
+            </a:r>
+            <a:r>
+              <a:rPr lang="en-US" sz="2400" dirty="0"/>
+              <a:t> </a:t>
+            </a:r>
+            <a:r>
+              <a:rPr lang="en-US" sz="2400" dirty="0" err="1"/>
+              <a:t>vraća</a:t>
+            </a:r>
+            <a:r>
+              <a:rPr lang="en-US" sz="2400" dirty="0"/>
+              <a:t> true </a:t>
+            </a:r>
+            <a:r>
+              <a:rPr lang="en-US" sz="2400" dirty="0" err="1"/>
+              <a:t>ukoliko</a:t>
+            </a:r>
+            <a:r>
+              <a:rPr lang="en-US" sz="2400" dirty="0"/>
+              <a:t> je </a:t>
+            </a:r>
+            <a:r>
+              <a:rPr lang="en-US" sz="2400" dirty="0" err="1"/>
+              <a:t>knjiga</a:t>
+            </a:r>
+            <a:r>
+              <a:rPr lang="en-US" sz="2400" dirty="0"/>
+              <a:t> </a:t>
+            </a:r>
+            <a:r>
+              <a:rPr lang="en-US" sz="2400" dirty="0" err="1"/>
+              <a:t>skupa</a:t>
+            </a:r>
+            <a:r>
+              <a:rPr lang="en-US" sz="2400" dirty="0"/>
+              <a:t> (</a:t>
+            </a:r>
+            <a:r>
+              <a:rPr lang="en-US" sz="2400" dirty="0" err="1"/>
+              <a:t>knjiga</a:t>
+            </a:r>
+            <a:r>
+              <a:rPr lang="en-US" sz="2400" dirty="0"/>
+              <a:t> je </a:t>
+            </a:r>
+            <a:r>
+              <a:rPr lang="en-US" sz="2400" dirty="0" err="1"/>
+              <a:t>skupa</a:t>
+            </a:r>
+            <a:r>
+              <a:rPr lang="en-US" sz="2400" dirty="0"/>
+              <a:t>, </a:t>
+            </a:r>
+            <a:r>
+              <a:rPr lang="en-US" sz="2400" dirty="0" err="1"/>
+              <a:t>ukoliko</a:t>
+            </a:r>
+            <a:r>
+              <a:rPr lang="en-US" sz="2400" dirty="0"/>
+              <a:t> je </a:t>
+            </a:r>
+            <a:r>
+              <a:rPr lang="en-US" sz="2400" dirty="0" err="1"/>
+              <a:t>njena</a:t>
+            </a:r>
+            <a:r>
+              <a:rPr lang="en-US" sz="2400" dirty="0"/>
+              <a:t> </a:t>
+            </a:r>
+            <a:r>
+              <a:rPr lang="en-US" sz="2400" dirty="0" err="1"/>
+              <a:t>cena</a:t>
+            </a:r>
+            <a:r>
+              <a:rPr lang="en-US" sz="2400" dirty="0"/>
+              <a:t> </a:t>
+            </a:r>
+            <a:r>
+              <a:rPr lang="en-US" sz="2400" dirty="0" err="1"/>
+              <a:t>veća</a:t>
+            </a:r>
+            <a:r>
+              <a:rPr lang="en-US" sz="2400" dirty="0"/>
+              <a:t> od 8000),  u </a:t>
+            </a:r>
+            <a:r>
+              <a:rPr lang="en-US" sz="2400" dirty="0" err="1"/>
+              <a:t>suprotnom</a:t>
+            </a:r>
+            <a:r>
+              <a:rPr lang="en-US" sz="2400" dirty="0"/>
+              <a:t> </a:t>
+            </a:r>
+            <a:r>
+              <a:rPr lang="en-US" sz="2400" dirty="0" err="1"/>
+              <a:t>vraća</a:t>
+            </a:r>
+            <a:r>
+              <a:rPr lang="en-US" sz="2400" dirty="0"/>
+              <a:t> false.</a:t>
+            </a:r>
+            <a:endParaRPr sz="2400" dirty="0"/>
           </a:p>
           <a:p>
             <a:pPr marL="525780" lvl="1" indent="-342900" algn="l" rtl="0">
@@ -21672,18 +22180,118 @@
               <a:buChar char="▪"/>
             </a:pPr>
             <a:r>
-              <a:rPr lang="en-US" sz="2400"/>
-              <a:t>Metodu </a:t>
-            </a:r>
-            <a:r>
-              <a:rPr lang="en-US" sz="2400" b="1" i="1"/>
+              <a:rPr lang="en-US" sz="2400" dirty="0" err="1"/>
+              <a:t>Metodu</a:t>
+            </a:r>
+            <a:r>
+              <a:rPr lang="en-US" sz="2400" dirty="0"/>
+              <a:t> </a:t>
+            </a:r>
+            <a:r>
+              <a:rPr lang="en-US" sz="2400" b="1" i="1" dirty="0" err="1"/>
               <a:t>dugackoIme</a:t>
             </a:r>
             <a:r>
-              <a:rPr lang="en-US" sz="2400"/>
-              <a:t> koja ispituje da li je ime autora dugačko (ukoliko je broj karaktera u autorovom imenu veći od 18), vraća true/false.</a:t>
-            </a:r>
-            <a:endParaRPr sz="2400"/>
+              <a:rPr lang="en-US" sz="2400" dirty="0"/>
+              <a:t> </a:t>
+            </a:r>
+            <a:r>
+              <a:rPr lang="en-US" sz="2400" dirty="0" err="1"/>
+              <a:t>koja</a:t>
+            </a:r>
+            <a:r>
+              <a:rPr lang="en-US" sz="2400" dirty="0"/>
+              <a:t> </a:t>
+            </a:r>
+            <a:r>
+              <a:rPr lang="en-US" sz="2400" dirty="0" err="1"/>
+              <a:t>ispituje</a:t>
+            </a:r>
+            <a:r>
+              <a:rPr lang="en-US" sz="2400" dirty="0"/>
+              <a:t> da li je </a:t>
+            </a:r>
+            <a:r>
+              <a:rPr lang="en-US" sz="2400" dirty="0" err="1"/>
+              <a:t>ime</a:t>
+            </a:r>
+            <a:r>
+              <a:rPr lang="en-US" sz="2400" dirty="0"/>
+              <a:t> </a:t>
+            </a:r>
+            <a:r>
+              <a:rPr lang="en-US" sz="2400" dirty="0" err="1"/>
+              <a:t>autora</a:t>
+            </a:r>
+            <a:r>
+              <a:rPr lang="en-US" sz="2400" dirty="0"/>
+              <a:t> </a:t>
+            </a:r>
+            <a:r>
+              <a:rPr lang="en-US" sz="2400" dirty="0" err="1"/>
+              <a:t>dugačko</a:t>
+            </a:r>
+            <a:r>
+              <a:rPr lang="en-US" sz="2400" dirty="0"/>
+              <a:t> (</a:t>
+            </a:r>
+            <a:r>
+              <a:rPr lang="en-US" sz="2400" dirty="0" err="1"/>
+              <a:t>ukoliko</a:t>
+            </a:r>
+            <a:r>
+              <a:rPr lang="en-US" sz="2400" dirty="0"/>
+              <a:t> je </a:t>
+            </a:r>
+            <a:r>
+              <a:rPr lang="en-US" sz="2400" dirty="0" err="1"/>
+              <a:t>broj</a:t>
+            </a:r>
+            <a:r>
+              <a:rPr lang="en-US" sz="2400" dirty="0"/>
+              <a:t> </a:t>
+            </a:r>
+            <a:r>
+              <a:rPr lang="en-US" sz="2400" dirty="0" err="1"/>
+              <a:t>karaktera</a:t>
+            </a:r>
+            <a:r>
+              <a:rPr lang="en-US" sz="2400" dirty="0"/>
+              <a:t> u </a:t>
+            </a:r>
+            <a:r>
+              <a:rPr lang="en-US" sz="2400" dirty="0" err="1"/>
+              <a:t>autorovom</a:t>
+            </a:r>
+            <a:r>
+              <a:rPr lang="en-US" sz="2400" dirty="0"/>
+              <a:t> </a:t>
+            </a:r>
+            <a:r>
+              <a:rPr lang="en-US" sz="2400" dirty="0" err="1"/>
+              <a:t>imenu</a:t>
+            </a:r>
+            <a:r>
+              <a:rPr lang="en-US" sz="2400" dirty="0"/>
+              <a:t> </a:t>
+            </a:r>
+            <a:r>
+              <a:rPr lang="en-US" sz="2400" dirty="0" err="1"/>
+              <a:t>veći</a:t>
+            </a:r>
+            <a:r>
+              <a:rPr lang="en-US" sz="2400" dirty="0"/>
+              <a:t> od 18), </a:t>
+            </a:r>
+            <a:r>
+              <a:rPr lang="en-US" sz="2400" dirty="0" err="1"/>
+              <a:t>vraća</a:t>
+            </a:r>
+            <a:r>
+              <a:rPr lang="en-US" sz="2400" dirty="0"/>
+              <a:t> true/false.</a:t>
+            </a:r>
+            <a:endParaRPr sz="2400" dirty="0"/>
           </a:p>
         </p:txBody>
       </p:sp>
@@ -23153,10 +23761,14 @@
               <a:buNone/>
             </a:pPr>
             <a:r>
-              <a:rPr lang="en-US"/>
-              <a:t>Primeri - Film</a:t>
-            </a:r>
-            <a:endParaRPr/>
+              <a:rPr lang="en-US" dirty="0" err="1"/>
+              <a:t>Primeri</a:t>
+            </a:r>
+            <a:r>
+              <a:rPr lang="en-US" dirty="0"/>
+              <a:t> - Film</a:t>
+            </a:r>
+            <a:endParaRPr dirty="0"/>
           </a:p>
         </p:txBody>
       </p:sp>
@@ -23211,18 +23823,94 @@
               <a:buChar char="⮚"/>
             </a:pPr>
             <a:r>
-              <a:rPr lang="en-US" sz="2590"/>
-              <a:t>Napraviti funkciju </a:t>
-            </a:r>
-            <a:r>
-              <a:rPr lang="en-US" sz="2590" b="1" i="1" u="sng"/>
+              <a:rPr lang="en-US" sz="2590" dirty="0" err="1"/>
+              <a:t>Napraviti</a:t>
+            </a:r>
+            <a:r>
+              <a:rPr lang="en-US" sz="2590" dirty="0"/>
+              <a:t> </a:t>
+            </a:r>
+            <a:r>
+              <a:rPr lang="en-US" sz="2590" dirty="0" err="1"/>
+              <a:t>funkciju</a:t>
+            </a:r>
+            <a:r>
+              <a:rPr lang="en-US" sz="2590" dirty="0"/>
+              <a:t> </a:t>
+            </a:r>
+            <a:r>
+              <a:rPr lang="en-US" sz="2590" b="1" i="1" u="sng" dirty="0" err="1"/>
               <a:t>najboljeOcenjeni</a:t>
             </a:r>
             <a:r>
-              <a:rPr lang="en-US" sz="2590"/>
-              <a:t> kojoj se prosleđuje niz filmova, a ona vraća najbolje ocenjeni film.</a:t>
-            </a:r>
-            <a:endParaRPr sz="2590"/>
+              <a:rPr lang="en-US" sz="2590" dirty="0"/>
+              <a:t> </a:t>
+            </a:r>
+            <a:r>
+              <a:rPr lang="en-US" sz="2590" dirty="0" err="1"/>
+              <a:t>kojoj</a:t>
+            </a:r>
+            <a:r>
+              <a:rPr lang="en-US" sz="2590" dirty="0"/>
+              <a:t> se </a:t>
+            </a:r>
+            <a:r>
+              <a:rPr lang="en-US" sz="2590" dirty="0" err="1"/>
+              <a:t>prosleđuje</a:t>
+            </a:r>
+            <a:r>
+              <a:rPr lang="en-US" sz="2590" dirty="0"/>
+              <a:t> </a:t>
+            </a:r>
+            <a:r>
+              <a:rPr lang="en-US" sz="2590" dirty="0" err="1"/>
+              <a:t>niz</a:t>
+            </a:r>
+            <a:r>
+              <a:rPr lang="en-US" sz="2590" dirty="0"/>
+              <a:t> </a:t>
+            </a:r>
+            <a:r>
+              <a:rPr lang="en-US" sz="2590" dirty="0" err="1"/>
+              <a:t>filmova</a:t>
+            </a:r>
+            <a:r>
+              <a:rPr lang="en-US" sz="2590" dirty="0"/>
+              <a:t>, a </a:t>
+            </a:r>
+            <a:r>
+              <a:rPr lang="en-US" sz="2590" dirty="0" err="1"/>
+              <a:t>ona</a:t>
+            </a:r>
+            <a:r>
+              <a:rPr lang="en-US" sz="2590" dirty="0"/>
+              <a:t> </a:t>
+            </a:r>
+            <a:r>
+              <a:rPr lang="en-US" sz="2590" dirty="0" err="1"/>
+              <a:t>vraća</a:t>
+            </a:r>
+            <a:r>
+              <a:rPr lang="en-US" sz="2590" dirty="0"/>
+              <a:t> </a:t>
+            </a:r>
+            <a:r>
+              <a:rPr lang="en-US" sz="2590" dirty="0" err="1"/>
+              <a:t>najbolje</a:t>
+            </a:r>
+            <a:r>
+              <a:rPr lang="en-US" sz="2590" dirty="0"/>
+              <a:t> </a:t>
+            </a:r>
+            <a:r>
+              <a:rPr lang="en-US" sz="2590" dirty="0" err="1"/>
+              <a:t>ocenjeni</a:t>
+            </a:r>
+            <a:r>
+              <a:rPr lang="en-US" sz="2590" dirty="0"/>
+              <a:t> film.</a:t>
+            </a:r>
+            <a:endParaRPr sz="2590" dirty="0"/>
           </a:p>
           <a:p>
             <a:pPr marL="342900" lvl="0" indent="-342900" algn="l" rtl="0">
@@ -23240,22 +23928,118 @@
               <a:buChar char="⮚"/>
             </a:pPr>
             <a:r>
-              <a:rPr lang="en-US" sz="2590"/>
-              <a:t>Napraviti funkciju </a:t>
-            </a:r>
-            <a:r>
-              <a:rPr lang="en-US" sz="2590" b="1" i="1" u="sng"/>
+              <a:rPr lang="en-US" sz="2590" dirty="0" err="1"/>
+              <a:t>Napraviti</a:t>
+            </a:r>
+            <a:r>
+              <a:rPr lang="en-US" sz="2590" dirty="0"/>
+              <a:t> </a:t>
+            </a:r>
+            <a:r>
+              <a:rPr lang="en-US" sz="2590" dirty="0" err="1"/>
+              <a:t>funkciju</a:t>
+            </a:r>
+            <a:r>
+              <a:rPr lang="en-US" sz="2590" dirty="0"/>
+              <a:t> </a:t>
+            </a:r>
+            <a:r>
+              <a:rPr lang="en-US" sz="2590" b="1" i="1" u="sng" dirty="0" err="1"/>
               <a:t>osrednjiFilm</a:t>
             </a:r>
             <a:r>
-              <a:rPr lang="en-US" sz="2590" b="1" i="1"/>
+              <a:rPr lang="en-US" sz="2590" b="1" i="1" dirty="0"/>
               <a:t> </a:t>
             </a:r>
             <a:r>
-              <a:rPr lang="en-US" sz="2590"/>
-              <a:t>kojoj se prosleđuje niz filmova a ona vraća film koji je najbliži prosečnoj oceni svih filmova.</a:t>
-            </a:r>
-            <a:endParaRPr/>
+              <a:rPr lang="en-US" sz="2590" dirty="0" err="1"/>
+              <a:t>kojoj</a:t>
+            </a:r>
+            <a:r>
+              <a:rPr lang="en-US" sz="2590" dirty="0"/>
+              <a:t> se </a:t>
+            </a:r>
+            <a:r>
+              <a:rPr lang="en-US" sz="2590" dirty="0" err="1"/>
+              <a:t>prosleđuje</a:t>
+            </a:r>
+            <a:r>
+              <a:rPr lang="en-US" sz="2590" dirty="0"/>
+              <a:t> </a:t>
+            </a:r>
+            <a:r>
+              <a:rPr lang="en-US" sz="2590" dirty="0" err="1"/>
+              <a:t>niz</a:t>
+            </a:r>
+            <a:r>
+              <a:rPr lang="en-US" sz="2590" dirty="0"/>
+              <a:t> </a:t>
+            </a:r>
+            <a:r>
+              <a:rPr lang="en-US" sz="2590" dirty="0" err="1"/>
+              <a:t>filmova</a:t>
+            </a:r>
+            <a:r>
+              <a:rPr lang="en-US" sz="2590" dirty="0"/>
+              <a:t> a </a:t>
+            </a:r>
+            <a:r>
+              <a:rPr lang="en-US" sz="2590" dirty="0" err="1"/>
+              <a:t>ona</a:t>
+            </a:r>
+            <a:r>
+              <a:rPr lang="en-US" sz="2590" dirty="0"/>
+              <a:t> </a:t>
+            </a:r>
+            <a:r>
+              <a:rPr lang="en-US" sz="2590" dirty="0" err="1"/>
+              <a:t>vraća</a:t>
+            </a:r>
+            <a:r>
+              <a:rPr lang="en-US" sz="2590" dirty="0"/>
+              <a:t> film koji je </a:t>
+            </a:r>
+            <a:r>
+              <a:rPr lang="en-US" sz="2590" dirty="0" err="1"/>
+              <a:t>najbliži</a:t>
+            </a:r>
+            <a:r>
+              <a:rPr lang="en-US" sz="2590" dirty="0"/>
+              <a:t> </a:t>
+            </a:r>
+            <a:r>
+              <a:rPr lang="en-US" sz="2590" dirty="0" err="1"/>
+              <a:t>prosečnoj</a:t>
+            </a:r>
+            <a:r>
+              <a:rPr lang="en-US" sz="2590" dirty="0"/>
+              <a:t> </a:t>
+            </a:r>
+            <a:r>
+              <a:rPr lang="en-US" sz="2590" dirty="0" err="1"/>
+              <a:t>oceni</a:t>
+            </a:r>
+            <a:r>
+              <a:rPr lang="en-US" sz="2590" dirty="0"/>
+              <a:t> </a:t>
+            </a:r>
+            <a:r>
+              <a:rPr lang="en-US" sz="2590" dirty="0" err="1"/>
+              <a:t>svih</a:t>
+            </a:r>
+            <a:r>
+              <a:rPr lang="en-US" sz="2590" dirty="0"/>
+              <a:t> </a:t>
+            </a:r>
+            <a:r>
+              <a:rPr lang="en-US" sz="2590" dirty="0" err="1"/>
+              <a:t>filmova</a:t>
+            </a:r>
+            <a:r>
+              <a:rPr lang="en-US" sz="2590" dirty="0"/>
+              <a:t>.</a:t>
+            </a:r>
+            <a:endParaRPr dirty="0"/>
           </a:p>
           <a:p>
             <a:pPr marL="342900" lvl="0" indent="-342900" algn="l" rtl="0">
@@ -23273,22 +24057,126 @@
               <a:buChar char="⮚"/>
             </a:pPr>
             <a:r>
-              <a:rPr lang="en-US" sz="2590"/>
-              <a:t>Napraviti funkciju </a:t>
-            </a:r>
-            <a:r>
-              <a:rPr lang="en-US" sz="2590" b="1" i="1" u="sng"/>
+              <a:rPr lang="en-US" sz="2590" dirty="0" err="1"/>
+              <a:t>Napraviti</a:t>
+            </a:r>
+            <a:r>
+              <a:rPr lang="en-US" sz="2590" dirty="0"/>
+              <a:t> </a:t>
+            </a:r>
+            <a:r>
+              <a:rPr lang="en-US" sz="2590" dirty="0" err="1"/>
+              <a:t>funkciju</a:t>
+            </a:r>
+            <a:r>
+              <a:rPr lang="en-US" sz="2590" dirty="0"/>
+              <a:t> </a:t>
+            </a:r>
+            <a:r>
+              <a:rPr lang="en-US" sz="2590" b="1" i="1" u="sng" dirty="0" err="1"/>
               <a:t>najmanjaOcenaNajboljeg</a:t>
             </a:r>
             <a:r>
-              <a:rPr lang="en-US" sz="2590" b="1" i="1"/>
+              <a:rPr lang="en-US" sz="2590" b="1" i="1" dirty="0"/>
               <a:t> </a:t>
             </a:r>
             <a:r>
-              <a:rPr lang="en-US" sz="2590"/>
-              <a:t>kojoj se prosleđuje niz filmova a ona određuje najbolji film i ispisuje njegovu najslabiju ocenu.</a:t>
-            </a:r>
-            <a:endParaRPr/>
+              <a:rPr lang="en-US" sz="2590" dirty="0" err="1"/>
+              <a:t>kojoj</a:t>
+            </a:r>
+            <a:r>
+              <a:rPr lang="en-US" sz="2590" dirty="0"/>
+              <a:t> se </a:t>
+            </a:r>
+            <a:r>
+              <a:rPr lang="en-US" sz="2590" dirty="0" err="1"/>
+              <a:t>prosleđuje</a:t>
+            </a:r>
+            <a:r>
+              <a:rPr lang="en-US" sz="2590" dirty="0"/>
+              <a:t> </a:t>
+            </a:r>
+            <a:r>
+              <a:rPr lang="en-US" sz="2590" dirty="0" err="1"/>
+              <a:t>niz</a:t>
+            </a:r>
+            <a:r>
+              <a:rPr lang="en-US" sz="2590" dirty="0"/>
+              <a:t> </a:t>
+            </a:r>
+            <a:r>
+              <a:rPr lang="en-US" sz="2590" dirty="0" err="1"/>
+              <a:t>filmova</a:t>
+            </a:r>
+            <a:r>
+              <a:rPr lang="en-US" sz="2590" dirty="0"/>
+              <a:t> a </a:t>
+            </a:r>
+            <a:r>
+              <a:rPr lang="en-US" sz="2590" dirty="0" err="1"/>
+              <a:t>ona</a:t>
+            </a:r>
+            <a:r>
+              <a:rPr lang="en-US" sz="2590" dirty="0"/>
+              <a:t> </a:t>
+            </a:r>
+            <a:r>
+              <a:rPr lang="en-US" sz="2590" dirty="0" err="1"/>
+              <a:t>određuje</a:t>
+            </a:r>
+            <a:r>
+              <a:rPr lang="en-US" sz="2590" dirty="0"/>
+              <a:t> </a:t>
+            </a:r>
+            <a:r>
+              <a:rPr lang="en-US" sz="2590" dirty="0" err="1"/>
+              <a:t>najbolji</a:t>
+            </a:r>
+            <a:r>
+              <a:rPr lang="en-US" sz="2590" dirty="0"/>
+              <a:t> film </a:t>
+            </a:r>
+            <a:r>
+              <a:rPr lang="en-US" sz="2590" dirty="0" err="1"/>
+              <a:t>i</a:t>
+            </a:r>
+            <a:r>
+              <a:rPr lang="en-US" sz="2590" dirty="0"/>
+              <a:t> </a:t>
+            </a:r>
+            <a:r>
+              <a:rPr lang="en-US" sz="2590" dirty="0" err="1"/>
+              <a:t>ispisuje</a:t>
+            </a:r>
+            <a:r>
+              <a:rPr lang="en-US" sz="2590" dirty="0"/>
+              <a:t> </a:t>
+            </a:r>
+            <a:r>
+              <a:rPr lang="en-US" sz="2590" dirty="0" err="1"/>
+              <a:t>njegovu</a:t>
+            </a:r>
+            <a:r>
+              <a:rPr lang="en-US" sz="2590" dirty="0"/>
+              <a:t> </a:t>
+            </a:r>
+            <a:r>
+              <a:rPr lang="en-US" sz="2590" dirty="0" err="1"/>
+              <a:t>najslabiju</a:t>
+            </a:r>
+            <a:r>
+              <a:rPr lang="en-US" sz="2590" dirty="0"/>
+              <a:t> </a:t>
+            </a:r>
+            <a:r>
+              <a:rPr lang="en-US" sz="2590" dirty="0" err="1"/>
+              <a:t>ocenu</a:t>
+            </a:r>
+            <a:r>
+              <a:rPr lang="en-US" sz="2590" dirty="0"/>
+              <a:t>.</a:t>
+            </a:r>
+            <a:endParaRPr dirty="0"/>
           </a:p>
           <a:p>
             <a:pPr marL="342900" lvl="0" indent="-342900" algn="l" rtl="0">
@@ -23306,25 +24194,129 @@
               <a:buChar char="⮚"/>
             </a:pPr>
             <a:r>
-              <a:rPr lang="en-US" sz="2590"/>
-              <a:t>Napisati funkciju </a:t>
-            </a:r>
-            <a:r>
-              <a:rPr lang="en-US" sz="2590" b="1" i="1" u="sng"/>
+              <a:rPr lang="en-US" sz="2590" dirty="0" err="1"/>
+              <a:t>Napisati</a:t>
+            </a:r>
+            <a:r>
+              <a:rPr lang="en-US" sz="2590" dirty="0"/>
+              <a:t> </a:t>
+            </a:r>
+            <a:r>
+              <a:rPr lang="en-US" sz="2590" dirty="0" err="1"/>
+              <a:t>funkciju</a:t>
+            </a:r>
+            <a:r>
+              <a:rPr lang="en-US" sz="2590" dirty="0"/>
+              <a:t> </a:t>
+            </a:r>
+            <a:r>
+              <a:rPr lang="en-US" sz="2590" b="1" i="1" u="sng" dirty="0" err="1"/>
               <a:t>najmanjaOcena</a:t>
             </a:r>
             <a:r>
-              <a:rPr lang="en-US" sz="2590" b="1" i="1"/>
+              <a:rPr lang="en-US" sz="2590" b="1" i="1" dirty="0"/>
               <a:t> </a:t>
             </a:r>
             <a:r>
-              <a:rPr lang="en-US" sz="2590"/>
-              <a:t>kojoj se prosleđuje niz filmova, a koja vraća koja je najmanja ocena koju je bilo koji film dobio.</a:t>
+              <a:rPr lang="en-US" sz="2590" dirty="0" err="1"/>
+              <a:t>kojoj</a:t>
+            </a:r>
+            <a:r>
+              <a:rPr lang="en-US" sz="2590" dirty="0"/>
+              <a:t> se </a:t>
+            </a:r>
+            <a:r>
+              <a:rPr lang="en-US" sz="2590" dirty="0" err="1"/>
+              <a:t>prosleđuje</a:t>
+            </a:r>
+            <a:r>
+              <a:rPr lang="en-US" sz="2590" dirty="0"/>
+              <a:t> </a:t>
+            </a:r>
+            <a:r>
+              <a:rPr lang="en-US" sz="2590" dirty="0" err="1"/>
+              <a:t>niz</a:t>
+            </a:r>
+            <a:r>
+              <a:rPr lang="en-US" sz="2590" dirty="0"/>
+              <a:t> </a:t>
+            </a:r>
+            <a:r>
+              <a:rPr lang="en-US" sz="2590" dirty="0" err="1"/>
+              <a:t>filmova</a:t>
+            </a:r>
+            <a:r>
+              <a:rPr lang="en-US" sz="2590" dirty="0"/>
+              <a:t>, a </a:t>
+            </a:r>
+            <a:r>
+              <a:rPr lang="en-US" sz="2590" dirty="0" err="1"/>
+              <a:t>koja</a:t>
+            </a:r>
+            <a:r>
+              <a:rPr lang="en-US" sz="2590" dirty="0"/>
+              <a:t> </a:t>
+            </a:r>
+            <a:r>
+              <a:rPr lang="en-US" sz="2590" dirty="0" err="1"/>
+              <a:t>vraća</a:t>
+            </a:r>
+            <a:r>
+              <a:rPr lang="en-US" sz="2590" dirty="0"/>
+              <a:t> </a:t>
+            </a:r>
+            <a:r>
+              <a:rPr lang="en-US" sz="2590" dirty="0" err="1"/>
+              <a:t>koja</a:t>
+            </a:r>
+            <a:r>
+              <a:rPr lang="en-US" sz="2590" dirty="0"/>
+              <a:t> je </a:t>
+            </a:r>
+            <a:r>
+              <a:rPr lang="en-US" sz="2590" dirty="0" err="1"/>
+              <a:t>najmanja</a:t>
+            </a:r>
+            <a:r>
+              <a:rPr lang="en-US" sz="2590" dirty="0"/>
+              <a:t> </a:t>
+            </a:r>
+            <a:r>
+              <a:rPr lang="en-US" sz="2590" dirty="0" err="1"/>
+              <a:t>ocena</a:t>
+            </a:r>
+            <a:r>
+              <a:rPr lang="en-US" sz="2590" dirty="0"/>
+              <a:t> </a:t>
+            </a:r>
+            <a:r>
+              <a:rPr lang="en-US" sz="2590" dirty="0" err="1"/>
+              <a:t>koju</a:t>
+            </a:r>
+            <a:r>
+              <a:rPr lang="en-US" sz="2590" dirty="0"/>
+              <a:t> je </a:t>
+            </a:r>
+            <a:r>
+              <a:rPr lang="en-US" sz="2590" dirty="0" err="1"/>
+              <a:t>bilo</a:t>
+            </a:r>
+            <a:r>
+              <a:rPr lang="en-US" sz="2590" dirty="0"/>
+              <a:t> koji film </a:t>
+            </a:r>
+            <a:r>
+              <a:rPr lang="en-US" sz="2590" dirty="0" err="1"/>
+              <a:t>dobio</a:t>
+            </a:r>
+            <a:r>
+              <a:rPr lang="en-US" sz="2590" dirty="0"/>
+              <a:t>.</a:t>
             </a:r>
             <a:br>
-              <a:rPr lang="en-US" sz="2590"/>
+              <a:rPr lang="en-US" sz="2590" dirty="0"/>
             </a:br>
-            <a:endParaRPr sz="2590"/>
+            <a:endParaRPr sz="2590" dirty="0"/>
           </a:p>
           <a:p>
             <a:pPr marL="342900" lvl="0" indent="-178435" algn="l" rtl="0">
@@ -23341,7 +24333,7 @@
               <a:buFont typeface="Noto Sans Symbols"/>
               <a:buNone/>
             </a:pPr>
-            <a:endParaRPr sz="2590"/>
+            <a:endParaRPr sz="2590" dirty="0"/>
           </a:p>
           <a:p>
             <a:pPr marL="342900" lvl="0" indent="-178435" algn="l" rtl="0">
@@ -23358,7 +24350,7 @@
               <a:buFont typeface="Noto Sans Symbols"/>
               <a:buNone/>
             </a:pPr>
-            <a:endParaRPr sz="2590"/>
+            <a:endParaRPr sz="2590" dirty="0"/>
           </a:p>
         </p:txBody>
       </p:sp>
